--- a/課題研究/2015/春川直幸/1342100春川直幸ポスター.pptx
+++ b/課題研究/2015/春川直幸/1342100春川直幸ポスター.pptx
@@ -3749,7 +3749,7 @@
         <p:spPr>
           <a:xfrm>
             <a:off x="180232" y="2929585"/>
-            <a:ext cx="20906812" cy="7400925"/>
+            <a:ext cx="20906812" cy="6976647"/>
           </a:xfrm>
           <a:prstGeom prst="rect">
             <a:avLst/>
@@ -3794,7 +3794,7 @@
         </p:nvSpPr>
         <p:spPr>
           <a:xfrm rot="5400000">
-            <a:off x="8399814" y="8290155"/>
+            <a:off x="8506763" y="7932929"/>
             <a:ext cx="668211" cy="968759"/>
           </a:xfrm>
           <a:prstGeom prst="upArrow">
@@ -3962,7 +3962,7 @@
         </p:nvSpPr>
         <p:spPr>
           <a:xfrm>
-            <a:off x="505338" y="7633431"/>
+            <a:off x="540272" y="7219107"/>
             <a:ext cx="7506057" cy="2282208"/>
           </a:xfrm>
           <a:prstGeom prst="roundRect">
@@ -4022,7 +4022,7 @@
                 </a:solidFill>
                 <a:latin typeface="+mn-ea"/>
               </a:rPr>
-              <a:t>コマンドを解析することによって</a:t>
+              <a:t>コマンドを解析することに</a:t>
             </a:r>
             <a:r>
               <a:rPr lang="ja-JP" altLang="en-US" sz="3600" dirty="0" smtClean="0">
@@ -4031,7 +4031,16 @@
                 </a:solidFill>
                 <a:latin typeface="+mn-ea"/>
               </a:rPr>
-              <a:t>，開発者</a:t>
+              <a:t>より，</a:t>
+            </a:r>
+            <a:r>
+              <a:rPr lang="ja-JP" altLang="en-US" sz="3600" dirty="0" smtClean="0">
+                <a:solidFill>
+                  <a:schemeClr val="tx1"/>
+                </a:solidFill>
+                <a:latin typeface="+mn-ea"/>
+              </a:rPr>
+              <a:t>開発者</a:t>
             </a:r>
             <a:r>
               <a:rPr lang="ja-JP" altLang="en-US" sz="3600" dirty="0">
@@ -4075,19 +4084,10 @@
                 </a:solidFill>
                 <a:latin typeface="+mn-ea"/>
               </a:rPr>
-              <a:t>コミット数を貢献度の基準</a:t>
-            </a:r>
-            <a:r>
-              <a:rPr lang="ja-JP" altLang="en-US" sz="3600">
-                <a:solidFill>
-                  <a:schemeClr val="tx1"/>
-                </a:solidFill>
-                <a:latin typeface="+mn-ea"/>
-              </a:rPr>
-              <a:t>と</a:t>
-            </a:r>
-            <a:r>
-              <a:rPr lang="ja-JP" altLang="en-US" sz="3600" smtClean="0">
+              <a:t>コミット数を貢献度の基準と</a:t>
+            </a:r>
+            <a:r>
+              <a:rPr lang="ja-JP" altLang="en-US" sz="3600" dirty="0" smtClean="0">
                 <a:solidFill>
                   <a:schemeClr val="tx1"/>
                 </a:solidFill>
@@ -4112,7 +4112,7 @@
         </p:nvSpPr>
         <p:spPr>
           <a:xfrm>
-            <a:off x="9510000" y="7741708"/>
+            <a:off x="9510000" y="7311679"/>
             <a:ext cx="6265245" cy="1995660"/>
           </a:xfrm>
           <a:prstGeom prst="roundRect">
@@ -4182,7 +4182,7 @@
         </p:nvSpPr>
         <p:spPr>
           <a:xfrm>
-            <a:off x="493247" y="11756421"/>
+            <a:off x="493247" y="11539587"/>
             <a:ext cx="19273162" cy="1382255"/>
           </a:xfrm>
           <a:prstGeom prst="rect">
@@ -4218,7 +4218,7 @@
           <a:lstStyle/>
           <a:p>
             <a:r>
-              <a:rPr lang="en-US" altLang="ja-JP" sz="3600">
+              <a:rPr lang="en-US" altLang="ja-JP" sz="3600" dirty="0">
                 <a:solidFill>
                   <a:schemeClr val="tx1"/>
                 </a:solidFill>
@@ -4227,7 +4227,7 @@
               <a:t>GitHub</a:t>
             </a:r>
             <a:r>
-              <a:rPr lang="ja-JP" altLang="en-US" sz="3600">
+              <a:rPr lang="ja-JP" altLang="en-US" sz="3600" dirty="0">
                 <a:solidFill>
                   <a:schemeClr val="tx1"/>
                 </a:solidFill>
@@ -4246,251 +4246,13 @@
       </p:sp>
       <p:sp>
         <p:nvSpPr>
-          <p:cNvPr id="29" name="ホームベース 28"/>
-          <p:cNvSpPr/>
-          <p:nvPr/>
-        </p:nvSpPr>
-        <p:spPr>
-          <a:xfrm>
-            <a:off x="457705" y="10784627"/>
-            <a:ext cx="2158099" cy="755597"/>
-          </a:xfrm>
-          <a:prstGeom prst="homePlate">
-            <a:avLst/>
-          </a:prstGeom>
-          <a:solidFill>
-            <a:srgbClr val="92D050"/>
-          </a:solidFill>
-          <a:ln>
-            <a:noFill/>
-          </a:ln>
-        </p:spPr>
-        <p:style>
-          <a:lnRef idx="2">
-            <a:schemeClr val="accent1">
-              <a:shade val="50000"/>
-            </a:schemeClr>
-          </a:lnRef>
-          <a:fillRef idx="1">
-            <a:schemeClr val="accent1"/>
-          </a:fillRef>
-          <a:effectRef idx="0">
-            <a:schemeClr val="accent1"/>
-          </a:effectRef>
-          <a:fontRef idx="minor">
-            <a:schemeClr val="lt1"/>
-          </a:fontRef>
-        </p:style>
-        <p:txBody>
-          <a:bodyPr lIns="295232" tIns="147616" rIns="295232" bIns="147616" rtlCol="0" anchor="ctr"/>
-          <a:lstStyle/>
-          <a:p>
-            <a:pPr algn="ctr"/>
-            <a:r>
-              <a:rPr lang="ja-JP" altLang="en-US" sz="4400" dirty="0" smtClean="0">
-                <a:solidFill>
-                  <a:schemeClr val="tx1"/>
-                </a:solidFill>
-              </a:rPr>
-              <a:t>目的</a:t>
-            </a:r>
-            <a:endParaRPr lang="ja-JP" altLang="en-US" sz="4400" dirty="0">
-              <a:solidFill>
-                <a:schemeClr val="tx1"/>
-              </a:solidFill>
-            </a:endParaRPr>
-          </a:p>
-        </p:txBody>
-      </p:sp>
-      <p:sp>
-        <p:nvSpPr>
-          <p:cNvPr id="30" name="ホームベース 29"/>
-          <p:cNvSpPr/>
-          <p:nvPr/>
-        </p:nvSpPr>
-        <p:spPr>
-          <a:xfrm>
-            <a:off x="493247" y="3109271"/>
-            <a:ext cx="2567306" cy="817737"/>
-          </a:xfrm>
-          <a:prstGeom prst="homePlate">
-            <a:avLst/>
-          </a:prstGeom>
-          <a:solidFill>
-            <a:srgbClr val="92D050"/>
-          </a:solidFill>
-          <a:ln>
-            <a:noFill/>
-          </a:ln>
-        </p:spPr>
-        <p:style>
-          <a:lnRef idx="2">
-            <a:schemeClr val="accent1">
-              <a:shade val="50000"/>
-            </a:schemeClr>
-          </a:lnRef>
-          <a:fillRef idx="1">
-            <a:schemeClr val="accent1"/>
-          </a:fillRef>
-          <a:effectRef idx="0">
-            <a:schemeClr val="accent1"/>
-          </a:effectRef>
-          <a:fontRef idx="minor">
-            <a:schemeClr val="lt1"/>
-          </a:fontRef>
-        </p:style>
-        <p:txBody>
-          <a:bodyPr lIns="295232" tIns="147616" rIns="295232" bIns="147616" rtlCol="0" anchor="ctr"/>
-          <a:lstStyle/>
-          <a:p>
-            <a:pPr algn="ctr"/>
-            <a:r>
-              <a:rPr lang="ja-JP" altLang="en-US" sz="4400" dirty="0">
-                <a:solidFill>
-                  <a:schemeClr val="tx1"/>
-                </a:solidFill>
-              </a:rPr>
-              <a:t>背景</a:t>
-            </a:r>
-          </a:p>
-        </p:txBody>
-      </p:sp>
-      <p:sp>
-        <p:nvSpPr>
-          <p:cNvPr id="32" name="ホームベース 31"/>
-          <p:cNvSpPr/>
-          <p:nvPr/>
-        </p:nvSpPr>
-        <p:spPr>
-          <a:xfrm>
-            <a:off x="354653" y="18189745"/>
-            <a:ext cx="3698113" cy="687221"/>
-          </a:xfrm>
-          <a:prstGeom prst="homePlate">
-            <a:avLst/>
-          </a:prstGeom>
-          <a:solidFill>
-            <a:srgbClr val="92D050"/>
-          </a:solidFill>
-          <a:ln>
-            <a:noFill/>
-          </a:ln>
-        </p:spPr>
-        <p:style>
-          <a:lnRef idx="2">
-            <a:schemeClr val="accent1">
-              <a:shade val="50000"/>
-            </a:schemeClr>
-          </a:lnRef>
-          <a:fillRef idx="1">
-            <a:schemeClr val="accent1"/>
-          </a:fillRef>
-          <a:effectRef idx="0">
-            <a:schemeClr val="accent1"/>
-          </a:effectRef>
-          <a:fontRef idx="minor">
-            <a:schemeClr val="lt1"/>
-          </a:fontRef>
-        </p:style>
-        <p:txBody>
-          <a:bodyPr lIns="295232" tIns="147616" rIns="295232" bIns="147616" rtlCol="0" anchor="ctr"/>
-          <a:lstStyle/>
-          <a:p>
-            <a:pPr algn="ctr"/>
-            <a:r>
-              <a:rPr lang="ja-JP" altLang="en-US" sz="4400" dirty="0" smtClean="0">
-                <a:solidFill>
-                  <a:schemeClr val="tx1"/>
-                </a:solidFill>
-              </a:rPr>
-              <a:t>研究</a:t>
-            </a:r>
-            <a:r>
-              <a:rPr lang="ja-JP" altLang="en-US" sz="4400" dirty="0">
-                <a:solidFill>
-                  <a:schemeClr val="tx1"/>
-                </a:solidFill>
-              </a:rPr>
-              <a:t>方法</a:t>
-            </a:r>
-          </a:p>
-        </p:txBody>
-      </p:sp>
-      <p:sp>
-        <p:nvSpPr>
-          <p:cNvPr id="43" name="ホームベース 42"/>
-          <p:cNvSpPr/>
-          <p:nvPr/>
-        </p:nvSpPr>
-        <p:spPr>
-          <a:xfrm>
-            <a:off x="13267775" y="18268118"/>
-            <a:ext cx="4979111" cy="759310"/>
-          </a:xfrm>
-          <a:prstGeom prst="homePlate">
-            <a:avLst/>
-          </a:prstGeom>
-          <a:solidFill>
-            <a:srgbClr val="92D050"/>
-          </a:solidFill>
-          <a:ln>
-            <a:noFill/>
-          </a:ln>
-        </p:spPr>
-        <p:style>
-          <a:lnRef idx="2">
-            <a:schemeClr val="accent1">
-              <a:shade val="50000"/>
-            </a:schemeClr>
-          </a:lnRef>
-          <a:fillRef idx="1">
-            <a:schemeClr val="accent1"/>
-          </a:fillRef>
-          <a:effectRef idx="0">
-            <a:schemeClr val="accent1"/>
-          </a:effectRef>
-          <a:fontRef idx="minor">
-            <a:schemeClr val="lt1"/>
-          </a:fontRef>
-        </p:style>
-        <p:txBody>
-          <a:bodyPr lIns="295232" tIns="147616" rIns="295232" bIns="147616" rtlCol="0" anchor="ctr"/>
-          <a:lstStyle/>
-          <a:p>
-            <a:pPr algn="ctr"/>
-            <a:r>
-              <a:rPr lang="ja-JP" altLang="en-US" sz="4400" dirty="0">
-                <a:solidFill>
-                  <a:schemeClr val="tx1"/>
-                </a:solidFill>
-              </a:rPr>
-              <a:t>現在</a:t>
-            </a:r>
-            <a:r>
-              <a:rPr lang="ja-JP" altLang="en-US" sz="4400" dirty="0" smtClean="0">
-                <a:solidFill>
-                  <a:schemeClr val="tx1"/>
-                </a:solidFill>
-              </a:rPr>
-              <a:t>の進捗状況</a:t>
-            </a:r>
-            <a:endParaRPr lang="ja-JP" altLang="en-US" sz="4400" dirty="0">
-              <a:solidFill>
-                <a:schemeClr val="tx1"/>
-              </a:solidFill>
-            </a:endParaRPr>
-          </a:p>
-        </p:txBody>
-      </p:sp>
-      <p:sp>
-        <p:nvSpPr>
           <p:cNvPr id="44" name="正方形/長方形 43"/>
           <p:cNvSpPr/>
           <p:nvPr/>
         </p:nvSpPr>
         <p:spPr>
           <a:xfrm>
-            <a:off x="13178628" y="19181699"/>
+            <a:off x="13178628" y="18821659"/>
             <a:ext cx="7584598" cy="7119528"/>
           </a:xfrm>
           <a:prstGeom prst="rect">
@@ -4536,71 +4298,13 @@
       </p:sp>
       <p:sp>
         <p:nvSpPr>
-          <p:cNvPr id="45" name="ホームベース 44"/>
-          <p:cNvSpPr/>
-          <p:nvPr/>
-        </p:nvSpPr>
-        <p:spPr>
-          <a:xfrm>
-            <a:off x="366813" y="27328170"/>
-            <a:ext cx="3729264" cy="762712"/>
-          </a:xfrm>
-          <a:prstGeom prst="homePlate">
-            <a:avLst/>
-          </a:prstGeom>
-          <a:solidFill>
-            <a:srgbClr val="92D050"/>
-          </a:solidFill>
-          <a:ln>
-            <a:noFill/>
-          </a:ln>
-        </p:spPr>
-        <p:style>
-          <a:lnRef idx="2">
-            <a:schemeClr val="accent1">
-              <a:shade val="50000"/>
-            </a:schemeClr>
-          </a:lnRef>
-          <a:fillRef idx="1">
-            <a:schemeClr val="accent1"/>
-          </a:fillRef>
-          <a:effectRef idx="0">
-            <a:schemeClr val="accent1"/>
-          </a:effectRef>
-          <a:fontRef idx="minor">
-            <a:schemeClr val="lt1"/>
-          </a:fontRef>
-        </p:style>
-        <p:txBody>
-          <a:bodyPr lIns="295232" tIns="147616" rIns="295232" bIns="147616" rtlCol="0" anchor="ctr"/>
-          <a:lstStyle/>
-          <a:p>
-            <a:pPr algn="ctr"/>
-            <a:r>
-              <a:rPr lang="ja-JP" altLang="en-US" sz="4400" dirty="0" smtClean="0">
-                <a:solidFill>
-                  <a:schemeClr val="tx1"/>
-                </a:solidFill>
-              </a:rPr>
-              <a:t>今後の計画</a:t>
-            </a:r>
-            <a:endParaRPr lang="ja-JP" altLang="en-US" sz="4400" dirty="0">
-              <a:solidFill>
-                <a:schemeClr val="tx1"/>
-              </a:solidFill>
-            </a:endParaRPr>
-          </a:p>
-        </p:txBody>
-      </p:sp>
-      <p:sp>
-        <p:nvSpPr>
           <p:cNvPr id="46" name="正方形/長方形 45"/>
           <p:cNvSpPr/>
           <p:nvPr/>
         </p:nvSpPr>
         <p:spPr>
           <a:xfrm>
-            <a:off x="510735" y="28316371"/>
+            <a:off x="510735" y="28173435"/>
             <a:ext cx="20166510" cy="1503782"/>
           </a:xfrm>
           <a:prstGeom prst="rect">
@@ -4664,80 +4368,14 @@
       </p:sp>
       <p:sp>
         <p:nvSpPr>
-          <p:cNvPr id="23" name="ホームベース 22"/>
-          <p:cNvSpPr/>
-          <p:nvPr/>
-        </p:nvSpPr>
-        <p:spPr>
-          <a:xfrm>
-            <a:off x="354653" y="14115728"/>
-            <a:ext cx="5022623" cy="816443"/>
-          </a:xfrm>
-          <a:prstGeom prst="homePlate">
-            <a:avLst/>
-          </a:prstGeom>
-          <a:solidFill>
-            <a:srgbClr val="92D050"/>
-          </a:solidFill>
-          <a:ln>
-            <a:noFill/>
-          </a:ln>
-        </p:spPr>
-        <p:style>
-          <a:lnRef idx="2">
-            <a:schemeClr val="accent1">
-              <a:shade val="50000"/>
-            </a:schemeClr>
-          </a:lnRef>
-          <a:fillRef idx="1">
-            <a:schemeClr val="accent1"/>
-          </a:fillRef>
-          <a:effectRef idx="0">
-            <a:schemeClr val="accent1"/>
-          </a:effectRef>
-          <a:fontRef idx="minor">
-            <a:schemeClr val="lt1"/>
-          </a:fontRef>
-        </p:style>
-        <p:txBody>
-          <a:bodyPr lIns="295232" tIns="147616" rIns="295232" bIns="147616" rtlCol="0" anchor="ctr"/>
-          <a:lstStyle/>
-          <a:p>
-            <a:pPr algn="ctr"/>
-            <a:r>
-              <a:rPr lang="en-US" altLang="ja-JP" sz="4400" dirty="0" smtClean="0">
-                <a:solidFill>
-                  <a:schemeClr val="tx1"/>
-                </a:solidFill>
-              </a:rPr>
-              <a:t>PM</a:t>
-            </a:r>
-            <a:r>
-              <a:rPr lang="ja-JP" altLang="en-US" sz="4400" dirty="0" smtClean="0">
-                <a:solidFill>
-                  <a:schemeClr val="tx1"/>
-                </a:solidFill>
-              </a:rPr>
-              <a:t>との関連性</a:t>
-            </a:r>
-            <a:endParaRPr lang="ja-JP" altLang="en-US" sz="4400" dirty="0">
-              <a:solidFill>
-                <a:schemeClr val="tx1"/>
-              </a:solidFill>
-            </a:endParaRPr>
-          </a:p>
-        </p:txBody>
-      </p:sp>
-      <p:sp>
-        <p:nvSpPr>
           <p:cNvPr id="25" name="角丸四角形 24"/>
           <p:cNvSpPr/>
           <p:nvPr/>
         </p:nvSpPr>
         <p:spPr>
           <a:xfrm>
-            <a:off x="604234" y="4157666"/>
-            <a:ext cx="12249406" cy="2943931"/>
+            <a:off x="468264" y="4157667"/>
+            <a:ext cx="12710364" cy="2095500"/>
           </a:xfrm>
           <a:prstGeom prst="roundRect">
             <a:avLst/>
@@ -4869,7 +4507,7 @@
         </p:nvSpPr>
         <p:spPr>
           <a:xfrm>
-            <a:off x="180232" y="10594746"/>
+            <a:off x="180232" y="10243443"/>
             <a:ext cx="20906812" cy="2921359"/>
           </a:xfrm>
           <a:prstGeom prst="rect">
@@ -4915,7 +4553,7 @@
         </p:nvSpPr>
         <p:spPr>
           <a:xfrm>
-            <a:off x="16591909" y="15541857"/>
+            <a:off x="16591909" y="15284003"/>
             <a:ext cx="4191681" cy="1262942"/>
           </a:xfrm>
           <a:prstGeom prst="ellipse">
@@ -4995,7 +4633,7 @@
         </p:nvSpPr>
         <p:spPr>
           <a:xfrm>
-            <a:off x="510736" y="15263772"/>
+            <a:off x="510736" y="14923963"/>
             <a:ext cx="7500659" cy="1995660"/>
           </a:xfrm>
           <a:prstGeom prst="roundRect">
@@ -5074,7 +4712,7 @@
         </p:nvSpPr>
         <p:spPr>
           <a:xfrm>
-            <a:off x="189372" y="13844933"/>
+            <a:off x="189372" y="13483803"/>
             <a:ext cx="20897672" cy="3745189"/>
           </a:xfrm>
           <a:prstGeom prst="rect">
@@ -5120,7 +4758,7 @@
         </p:nvSpPr>
         <p:spPr>
           <a:xfrm rot="5400000">
-            <a:off x="8424723" y="15688948"/>
+            <a:off x="8424723" y="15421761"/>
             <a:ext cx="668211" cy="968759"/>
           </a:xfrm>
           <a:prstGeom prst="upArrow">
@@ -5166,7 +4804,7 @@
         </p:nvSpPr>
         <p:spPr>
           <a:xfrm>
-            <a:off x="12826629" y="17792154"/>
+            <a:off x="12826629" y="17516251"/>
             <a:ext cx="8288596" cy="9047651"/>
           </a:xfrm>
           <a:prstGeom prst="rect">
@@ -5212,8 +4850,8 @@
         </p:nvSpPr>
         <p:spPr>
           <a:xfrm>
-            <a:off x="180232" y="27104040"/>
-            <a:ext cx="20881529" cy="2941602"/>
+            <a:off x="180232" y="26805283"/>
+            <a:ext cx="20881529" cy="3240359"/>
           </a:xfrm>
           <a:prstGeom prst="rect">
             <a:avLst/>
@@ -5258,7 +4896,7 @@
         </p:nvSpPr>
         <p:spPr>
           <a:xfrm>
-            <a:off x="180232" y="17792155"/>
+            <a:off x="180232" y="17516251"/>
             <a:ext cx="12448045" cy="9047650"/>
           </a:xfrm>
           <a:prstGeom prst="rect">
@@ -5296,242 +4934,6 @@
           </a:p>
         </p:txBody>
       </p:sp>
-      <p:sp>
-        <p:nvSpPr>
-          <p:cNvPr id="50" name="角丸四角形 49"/>
-          <p:cNvSpPr/>
-          <p:nvPr/>
-        </p:nvSpPr>
-        <p:spPr>
-          <a:xfrm>
-            <a:off x="510735" y="19141201"/>
-            <a:ext cx="11792554" cy="1398147"/>
-          </a:xfrm>
-          <a:prstGeom prst="roundRect">
-            <a:avLst/>
-          </a:prstGeom>
-          <a:solidFill>
-            <a:schemeClr val="bg1"/>
-          </a:solidFill>
-          <a:ln>
-            <a:solidFill>
-              <a:schemeClr val="accent1"/>
-            </a:solidFill>
-          </a:ln>
-        </p:spPr>
-        <p:style>
-          <a:lnRef idx="2">
-            <a:schemeClr val="accent1">
-              <a:shade val="50000"/>
-            </a:schemeClr>
-          </a:lnRef>
-          <a:fillRef idx="1">
-            <a:schemeClr val="accent1"/>
-          </a:fillRef>
-          <a:effectRef idx="0">
-            <a:schemeClr val="accent1"/>
-          </a:effectRef>
-          <a:fontRef idx="minor">
-            <a:schemeClr val="lt1"/>
-          </a:fontRef>
-        </p:style>
-        <p:txBody>
-          <a:bodyPr lIns="295232" tIns="147616" rIns="295232" bIns="147616" rtlCol="0" anchor="ctr"/>
-          <a:lstStyle/>
-          <a:p>
-            <a:r>
-              <a:rPr lang="en-US" altLang="ja-JP" sz="3600">
-                <a:solidFill>
-                  <a:schemeClr val="tx1"/>
-                </a:solidFill>
-                <a:latin typeface="+mn-ea"/>
-              </a:rPr>
-              <a:t>GitHub</a:t>
-            </a:r>
-            <a:r>
-              <a:rPr lang="ja-JP" altLang="en-US" sz="3600">
-                <a:solidFill>
-                  <a:schemeClr val="tx1"/>
-                </a:solidFill>
-                <a:latin typeface="+mn-ea"/>
-              </a:rPr>
-              <a:t>上のプロジェクトから，開発者数とコミット回数を調査する．</a:t>
-            </a:r>
-            <a:endParaRPr kumimoji="1" lang="ja-JP" altLang="en-US" sz="3600" dirty="0">
-              <a:solidFill>
-                <a:schemeClr val="tx1"/>
-              </a:solidFill>
-              <a:latin typeface="+mn-ea"/>
-            </a:endParaRPr>
-          </a:p>
-        </p:txBody>
-      </p:sp>
-      <p:sp>
-        <p:nvSpPr>
-          <p:cNvPr id="51" name="角丸四角形 50"/>
-          <p:cNvSpPr/>
-          <p:nvPr/>
-        </p:nvSpPr>
-        <p:spPr>
-          <a:xfrm>
-            <a:off x="493247" y="21027334"/>
-            <a:ext cx="11810042" cy="1816874"/>
-          </a:xfrm>
-          <a:prstGeom prst="roundRect">
-            <a:avLst/>
-          </a:prstGeom>
-          <a:solidFill>
-            <a:schemeClr val="bg1"/>
-          </a:solidFill>
-          <a:ln>
-            <a:solidFill>
-              <a:schemeClr val="accent1"/>
-            </a:solidFill>
-          </a:ln>
-        </p:spPr>
-        <p:style>
-          <a:lnRef idx="2">
-            <a:schemeClr val="accent1">
-              <a:shade val="50000"/>
-            </a:schemeClr>
-          </a:lnRef>
-          <a:fillRef idx="1">
-            <a:schemeClr val="accent1"/>
-          </a:fillRef>
-          <a:effectRef idx="0">
-            <a:schemeClr val="accent1"/>
-          </a:effectRef>
-          <a:fontRef idx="minor">
-            <a:schemeClr val="lt1"/>
-          </a:fontRef>
-        </p:style>
-        <p:txBody>
-          <a:bodyPr lIns="295232" tIns="147616" rIns="295232" bIns="147616" rtlCol="0" anchor="ctr"/>
-          <a:lstStyle/>
-          <a:p>
-            <a:r>
-              <a:rPr lang="ja-JP" altLang="en-US" sz="3600" dirty="0">
-                <a:solidFill>
-                  <a:schemeClr val="tx1"/>
-                </a:solidFill>
-                <a:latin typeface="+mn-ea"/>
-              </a:rPr>
-              <a:t>調査したデータの分析をする</a:t>
-            </a:r>
-            <a:r>
-              <a:rPr lang="ja-JP" altLang="en-US" sz="3600" dirty="0" smtClean="0">
-                <a:solidFill>
-                  <a:schemeClr val="tx1"/>
-                </a:solidFill>
-                <a:latin typeface="+mn-ea"/>
-              </a:rPr>
-              <a:t>．</a:t>
-            </a:r>
-            <a:endParaRPr lang="en-US" altLang="ja-JP" sz="3600" dirty="0" smtClean="0">
-              <a:solidFill>
-                <a:schemeClr val="tx1"/>
-              </a:solidFill>
-              <a:latin typeface="+mn-ea"/>
-            </a:endParaRPr>
-          </a:p>
-          <a:p>
-            <a:r>
-              <a:rPr lang="ja-JP" altLang="en-US" sz="3600" dirty="0">
-                <a:solidFill>
-                  <a:schemeClr val="tx1"/>
-                </a:solidFill>
-                <a:latin typeface="+mn-ea"/>
-              </a:rPr>
-              <a:t>調査したデータの分析は，デシル分析で行う．</a:t>
-            </a:r>
-            <a:endParaRPr kumimoji="1" lang="en-US" altLang="ja-JP" sz="3600" dirty="0" smtClean="0">
-              <a:solidFill>
-                <a:schemeClr val="tx1"/>
-              </a:solidFill>
-              <a:latin typeface="+mn-ea"/>
-            </a:endParaRPr>
-          </a:p>
-        </p:txBody>
-      </p:sp>
-      <p:sp>
-        <p:nvSpPr>
-          <p:cNvPr id="53" name="角丸四角形 52"/>
-          <p:cNvSpPr/>
-          <p:nvPr/>
-        </p:nvSpPr>
-        <p:spPr>
-          <a:xfrm>
-            <a:off x="506307" y="23231910"/>
-            <a:ext cx="11796982" cy="3040741"/>
-          </a:xfrm>
-          <a:prstGeom prst="roundRect">
-            <a:avLst/>
-          </a:prstGeom>
-          <a:solidFill>
-            <a:schemeClr val="bg1"/>
-          </a:solidFill>
-          <a:ln>
-            <a:solidFill>
-              <a:schemeClr val="accent1"/>
-            </a:solidFill>
-          </a:ln>
-        </p:spPr>
-        <p:style>
-          <a:lnRef idx="2">
-            <a:schemeClr val="accent1">
-              <a:shade val="50000"/>
-            </a:schemeClr>
-          </a:lnRef>
-          <a:fillRef idx="1">
-            <a:schemeClr val="accent1"/>
-          </a:fillRef>
-          <a:effectRef idx="0">
-            <a:schemeClr val="accent1"/>
-          </a:effectRef>
-          <a:fontRef idx="minor">
-            <a:schemeClr val="lt1"/>
-          </a:fontRef>
-        </p:style>
-        <p:txBody>
-          <a:bodyPr lIns="295232" tIns="147616" rIns="295232" bIns="147616" rtlCol="0" anchor="ctr"/>
-          <a:lstStyle/>
-          <a:p>
-            <a:r>
-              <a:rPr lang="ja-JP" altLang="en-US" sz="3600" dirty="0">
-                <a:solidFill>
-                  <a:schemeClr val="tx1"/>
-                </a:solidFill>
-                <a:latin typeface="+mn-ea"/>
-              </a:rPr>
-              <a:t>デシル分析でコミット数の多い順に開発者を</a:t>
-            </a:r>
-            <a:r>
-              <a:rPr lang="en-US" altLang="ja-JP" sz="3600" dirty="0">
-                <a:solidFill>
-                  <a:schemeClr val="tx1"/>
-                </a:solidFill>
-                <a:latin typeface="+mn-ea"/>
-              </a:rPr>
-              <a:t>10</a:t>
-            </a:r>
-            <a:r>
-              <a:rPr lang="ja-JP" altLang="en-US" sz="3600" dirty="0">
-                <a:solidFill>
-                  <a:schemeClr val="tx1"/>
-                </a:solidFill>
-                <a:latin typeface="+mn-ea"/>
-              </a:rPr>
-              <a:t>等分して，各ランクのコミット構成比率を算出し，コミット貢献度を明らかにする．</a:t>
-            </a:r>
-            <a:endParaRPr lang="ja-JP" altLang="en-US" sz="3600" dirty="0">
-              <a:solidFill>
-                <a:schemeClr val="tx1"/>
-              </a:solidFill>
-              <a:latin typeface="+mn-ea"/>
-            </a:endParaRPr>
-          </a:p>
-        </p:txBody>
-      </p:sp>
       <p:pic>
         <p:nvPicPr>
           <p:cNvPr id="5" name="図 4"/>
@@ -5554,7 +4956,7 @@
         </p:blipFill>
         <p:spPr>
           <a:xfrm>
-            <a:off x="13429704" y="19492771"/>
+            <a:off x="13429704" y="19100427"/>
             <a:ext cx="7067082" cy="3800085"/>
           </a:xfrm>
           <a:prstGeom prst="rect">
@@ -5570,7 +4972,7 @@
         </p:nvSpPr>
         <p:spPr>
           <a:xfrm>
-            <a:off x="13442758" y="23842743"/>
+            <a:off x="13442758" y="23564923"/>
             <a:ext cx="7067082" cy="1754326"/>
           </a:xfrm>
           <a:prstGeom prst="rect">
@@ -5625,7 +5027,7 @@
         </p:blipFill>
         <p:spPr>
           <a:xfrm>
-            <a:off x="16213249" y="3927008"/>
+            <a:off x="16079179" y="3890366"/>
             <a:ext cx="4747635" cy="5436114"/>
           </a:xfrm>
           <a:prstGeom prst="rect">
@@ -5641,7 +5043,7 @@
         </p:nvSpPr>
         <p:spPr>
           <a:xfrm>
-            <a:off x="9510000" y="15272476"/>
+            <a:off x="9510000" y="14923963"/>
             <a:ext cx="5621386" cy="1995660"/>
           </a:xfrm>
           <a:prstGeom prst="roundRect">
@@ -5711,7 +5113,7 @@
         </p:nvSpPr>
         <p:spPr>
           <a:xfrm rot="5400000">
-            <a:off x="15569288" y="15720866"/>
+            <a:off x="15569288" y="15421761"/>
             <a:ext cx="668211" cy="968759"/>
           </a:xfrm>
           <a:prstGeom prst="upArrow">
@@ -5746,6 +5148,452 @@
           <a:p>
             <a:pPr algn="ctr"/>
             <a:endParaRPr kumimoji="1" lang="ja-JP" altLang="en-US"/>
+          </a:p>
+        </p:txBody>
+      </p:sp>
+      <p:sp>
+        <p:nvSpPr>
+          <p:cNvPr id="7" name="正方形/長方形 6"/>
+          <p:cNvSpPr/>
+          <p:nvPr/>
+        </p:nvSpPr>
+        <p:spPr>
+          <a:xfrm>
+            <a:off x="180232" y="2898627"/>
+            <a:ext cx="20872389" cy="997423"/>
+          </a:xfrm>
+          <a:prstGeom prst="rect">
+            <a:avLst/>
+          </a:prstGeom>
+        </p:spPr>
+        <p:style>
+          <a:lnRef idx="2">
+            <a:schemeClr val="accent1">
+              <a:shade val="50000"/>
+            </a:schemeClr>
+          </a:lnRef>
+          <a:fillRef idx="1">
+            <a:schemeClr val="accent1"/>
+          </a:fillRef>
+          <a:effectRef idx="0">
+            <a:schemeClr val="accent1"/>
+          </a:effectRef>
+          <a:fontRef idx="minor">
+            <a:schemeClr val="lt1"/>
+          </a:fontRef>
+        </p:style>
+        <p:txBody>
+          <a:bodyPr rtlCol="0" anchor="ctr"/>
+          <a:lstStyle/>
+          <a:p>
+            <a:r>
+              <a:rPr kumimoji="1" lang="ja-JP" altLang="en-US" b="1" dirty="0" smtClean="0"/>
+              <a:t>背景</a:t>
+            </a:r>
+            <a:endParaRPr kumimoji="1" lang="ja-JP" altLang="en-US" b="1" dirty="0"/>
+          </a:p>
+        </p:txBody>
+      </p:sp>
+      <p:sp>
+        <p:nvSpPr>
+          <p:cNvPr id="35" name="正方形/長方形 34"/>
+          <p:cNvSpPr/>
+          <p:nvPr/>
+        </p:nvSpPr>
+        <p:spPr>
+          <a:xfrm>
+            <a:off x="180232" y="10243443"/>
+            <a:ext cx="20872389" cy="997423"/>
+          </a:xfrm>
+          <a:prstGeom prst="rect">
+            <a:avLst/>
+          </a:prstGeom>
+        </p:spPr>
+        <p:style>
+          <a:lnRef idx="2">
+            <a:schemeClr val="accent1">
+              <a:shade val="50000"/>
+            </a:schemeClr>
+          </a:lnRef>
+          <a:fillRef idx="1">
+            <a:schemeClr val="accent1"/>
+          </a:fillRef>
+          <a:effectRef idx="0">
+            <a:schemeClr val="accent1"/>
+          </a:effectRef>
+          <a:fontRef idx="minor">
+            <a:schemeClr val="lt1"/>
+          </a:fontRef>
+        </p:style>
+        <p:txBody>
+          <a:bodyPr rtlCol="0" anchor="ctr"/>
+          <a:lstStyle/>
+          <a:p>
+            <a:r>
+              <a:rPr kumimoji="1" lang="ja-JP" altLang="en-US" b="1" dirty="0" smtClean="0"/>
+              <a:t>目的</a:t>
+            </a:r>
+            <a:endParaRPr kumimoji="1" lang="ja-JP" altLang="en-US" b="1" dirty="0"/>
+          </a:p>
+        </p:txBody>
+      </p:sp>
+      <p:sp>
+        <p:nvSpPr>
+          <p:cNvPr id="36" name="正方形/長方形 35"/>
+          <p:cNvSpPr/>
+          <p:nvPr/>
+        </p:nvSpPr>
+        <p:spPr>
+          <a:xfrm>
+            <a:off x="180232" y="13494492"/>
+            <a:ext cx="20872389" cy="997423"/>
+          </a:xfrm>
+          <a:prstGeom prst="rect">
+            <a:avLst/>
+          </a:prstGeom>
+        </p:spPr>
+        <p:style>
+          <a:lnRef idx="2">
+            <a:schemeClr val="accent1">
+              <a:shade val="50000"/>
+            </a:schemeClr>
+          </a:lnRef>
+          <a:fillRef idx="1">
+            <a:schemeClr val="accent1"/>
+          </a:fillRef>
+          <a:effectRef idx="0">
+            <a:schemeClr val="accent1"/>
+          </a:effectRef>
+          <a:fontRef idx="minor">
+            <a:schemeClr val="lt1"/>
+          </a:fontRef>
+        </p:style>
+        <p:txBody>
+          <a:bodyPr rtlCol="0" anchor="ctr"/>
+          <a:lstStyle/>
+          <a:p>
+            <a:r>
+              <a:rPr kumimoji="1" lang="en-US" altLang="ja-JP" b="1" dirty="0" smtClean="0"/>
+              <a:t>PM</a:t>
+            </a:r>
+            <a:r>
+              <a:rPr lang="ja-JP" altLang="en-US" b="1" dirty="0"/>
+              <a:t>との</a:t>
+            </a:r>
+            <a:r>
+              <a:rPr kumimoji="1" lang="ja-JP" altLang="en-US" b="1" dirty="0" smtClean="0"/>
+              <a:t>関連性</a:t>
+            </a:r>
+            <a:endParaRPr kumimoji="1" lang="ja-JP" altLang="en-US" b="1" dirty="0"/>
+          </a:p>
+        </p:txBody>
+      </p:sp>
+      <p:sp>
+        <p:nvSpPr>
+          <p:cNvPr id="38" name="正方形/長方形 37"/>
+          <p:cNvSpPr/>
+          <p:nvPr/>
+        </p:nvSpPr>
+        <p:spPr>
+          <a:xfrm>
+            <a:off x="197159" y="17516251"/>
+            <a:ext cx="12431117" cy="997423"/>
+          </a:xfrm>
+          <a:prstGeom prst="rect">
+            <a:avLst/>
+          </a:prstGeom>
+        </p:spPr>
+        <p:style>
+          <a:lnRef idx="2">
+            <a:schemeClr val="accent1">
+              <a:shade val="50000"/>
+            </a:schemeClr>
+          </a:lnRef>
+          <a:fillRef idx="1">
+            <a:schemeClr val="accent1"/>
+          </a:fillRef>
+          <a:effectRef idx="0">
+            <a:schemeClr val="accent1"/>
+          </a:effectRef>
+          <a:fontRef idx="minor">
+            <a:schemeClr val="lt1"/>
+          </a:fontRef>
+        </p:style>
+        <p:txBody>
+          <a:bodyPr rtlCol="0" anchor="ctr"/>
+          <a:lstStyle/>
+          <a:p>
+            <a:r>
+              <a:rPr lang="ja-JP" altLang="en-US" b="1" dirty="0"/>
+              <a:t>研究方法</a:t>
+            </a:r>
+            <a:endParaRPr kumimoji="1" lang="ja-JP" altLang="en-US" b="1" dirty="0"/>
+          </a:p>
+        </p:txBody>
+      </p:sp>
+      <p:sp>
+        <p:nvSpPr>
+          <p:cNvPr id="40" name="正方形/長方形 39"/>
+          <p:cNvSpPr/>
+          <p:nvPr/>
+        </p:nvSpPr>
+        <p:spPr>
+          <a:xfrm>
+            <a:off x="12853640" y="17516251"/>
+            <a:ext cx="8198981" cy="997423"/>
+          </a:xfrm>
+          <a:prstGeom prst="rect">
+            <a:avLst/>
+          </a:prstGeom>
+        </p:spPr>
+        <p:style>
+          <a:lnRef idx="2">
+            <a:schemeClr val="accent1">
+              <a:shade val="50000"/>
+            </a:schemeClr>
+          </a:lnRef>
+          <a:fillRef idx="1">
+            <a:schemeClr val="accent1"/>
+          </a:fillRef>
+          <a:effectRef idx="0">
+            <a:schemeClr val="accent1"/>
+          </a:effectRef>
+          <a:fontRef idx="minor">
+            <a:schemeClr val="lt1"/>
+          </a:fontRef>
+        </p:style>
+        <p:txBody>
+          <a:bodyPr rtlCol="0" anchor="ctr"/>
+          <a:lstStyle/>
+          <a:p>
+            <a:r>
+              <a:rPr lang="ja-JP" altLang="en-US" b="1" dirty="0"/>
+              <a:t>現在</a:t>
+            </a:r>
+            <a:r>
+              <a:rPr lang="ja-JP" altLang="en-US" b="1" dirty="0" smtClean="0"/>
+              <a:t>の進捗状況</a:t>
+            </a:r>
+            <a:endParaRPr kumimoji="1" lang="ja-JP" altLang="en-US" b="1" dirty="0"/>
+          </a:p>
+        </p:txBody>
+      </p:sp>
+      <p:sp>
+        <p:nvSpPr>
+          <p:cNvPr id="42" name="正方形/長方形 41"/>
+          <p:cNvSpPr/>
+          <p:nvPr/>
+        </p:nvSpPr>
+        <p:spPr>
+          <a:xfrm>
+            <a:off x="214655" y="26805283"/>
+            <a:ext cx="20872389" cy="1034319"/>
+          </a:xfrm>
+          <a:prstGeom prst="rect">
+            <a:avLst/>
+          </a:prstGeom>
+        </p:spPr>
+        <p:style>
+          <a:lnRef idx="2">
+            <a:schemeClr val="accent1">
+              <a:shade val="50000"/>
+            </a:schemeClr>
+          </a:lnRef>
+          <a:fillRef idx="1">
+            <a:schemeClr val="accent1"/>
+          </a:fillRef>
+          <a:effectRef idx="0">
+            <a:schemeClr val="accent1"/>
+          </a:effectRef>
+          <a:fontRef idx="minor">
+            <a:schemeClr val="lt1"/>
+          </a:fontRef>
+        </p:style>
+        <p:txBody>
+          <a:bodyPr rtlCol="0" anchor="ctr"/>
+          <a:lstStyle/>
+          <a:p>
+            <a:r>
+              <a:rPr lang="ja-JP" altLang="en-US" b="1" dirty="0"/>
+              <a:t>今後の計画</a:t>
+            </a:r>
+            <a:endParaRPr kumimoji="1" lang="ja-JP" altLang="en-US" b="1" dirty="0"/>
+          </a:p>
+        </p:txBody>
+      </p:sp>
+      <p:sp>
+        <p:nvSpPr>
+          <p:cNvPr id="56" name="正方形/長方形 55"/>
+          <p:cNvSpPr/>
+          <p:nvPr/>
+        </p:nvSpPr>
+        <p:spPr>
+          <a:xfrm>
+            <a:off x="627128" y="18979023"/>
+            <a:ext cx="11506431" cy="7119528"/>
+          </a:xfrm>
+          <a:prstGeom prst="rect">
+            <a:avLst/>
+          </a:prstGeom>
+          <a:solidFill>
+            <a:schemeClr val="bg1"/>
+          </a:solidFill>
+          <a:ln>
+            <a:solidFill>
+              <a:schemeClr val="accent1"/>
+            </a:solidFill>
+          </a:ln>
+        </p:spPr>
+        <p:style>
+          <a:lnRef idx="2">
+            <a:schemeClr val="accent1">
+              <a:shade val="50000"/>
+            </a:schemeClr>
+          </a:lnRef>
+          <a:fillRef idx="1">
+            <a:schemeClr val="accent1"/>
+          </a:fillRef>
+          <a:effectRef idx="0">
+            <a:schemeClr val="accent1"/>
+          </a:effectRef>
+          <a:fontRef idx="minor">
+            <a:schemeClr val="lt1"/>
+          </a:fontRef>
+        </p:style>
+        <p:txBody>
+          <a:bodyPr lIns="295232" tIns="147616" rIns="295232" bIns="147616" rtlCol="0" anchor="t"/>
+          <a:lstStyle/>
+          <a:p>
+            <a:pPr marL="742950" indent="-742950">
+              <a:buFont typeface="+mj-lt"/>
+              <a:buAutoNum type="arabicPeriod"/>
+            </a:pPr>
+            <a:r>
+              <a:rPr lang="en-US" altLang="ja-JP" sz="3600" dirty="0" smtClean="0">
+                <a:solidFill>
+                  <a:schemeClr val="tx1"/>
+                </a:solidFill>
+                <a:latin typeface="+mn-ea"/>
+              </a:rPr>
+              <a:t>GitHub</a:t>
+            </a:r>
+            <a:r>
+              <a:rPr lang="ja-JP" altLang="en-US" sz="3600" dirty="0">
+                <a:solidFill>
+                  <a:schemeClr val="tx1"/>
+                </a:solidFill>
+                <a:latin typeface="+mn-ea"/>
+              </a:rPr>
+              <a:t>上のプロジェクトから，開発者数とコミット回数を調査する．</a:t>
+            </a:r>
+          </a:p>
+          <a:p>
+            <a:pPr marL="742950" indent="-742950">
+              <a:buFont typeface="+mj-lt"/>
+              <a:buAutoNum type="arabicPeriod"/>
+            </a:pPr>
+            <a:endParaRPr lang="ja-JP" altLang="en-US" sz="3600" dirty="0" smtClean="0">
+              <a:solidFill>
+                <a:schemeClr val="tx1"/>
+              </a:solidFill>
+              <a:latin typeface="+mn-ea"/>
+            </a:endParaRPr>
+          </a:p>
+          <a:p>
+            <a:pPr marL="742950" indent="-742950">
+              <a:buFont typeface="+mj-lt"/>
+              <a:buAutoNum type="arabicPeriod"/>
+            </a:pPr>
+            <a:r>
+              <a:rPr lang="ja-JP" altLang="en-US" sz="3600" dirty="0" smtClean="0">
+                <a:solidFill>
+                  <a:schemeClr val="tx1"/>
+                </a:solidFill>
+                <a:latin typeface="+mn-ea"/>
+              </a:rPr>
+              <a:t>調査</a:t>
+            </a:r>
+            <a:r>
+              <a:rPr lang="ja-JP" altLang="en-US" sz="3600" dirty="0">
+                <a:solidFill>
+                  <a:schemeClr val="tx1"/>
+                </a:solidFill>
+                <a:latin typeface="+mn-ea"/>
+              </a:rPr>
+              <a:t>したデータの分析をする</a:t>
+            </a:r>
+            <a:r>
+              <a:rPr lang="ja-JP" altLang="en-US" sz="3600" dirty="0" smtClean="0">
+                <a:solidFill>
+                  <a:schemeClr val="tx1"/>
+                </a:solidFill>
+                <a:latin typeface="+mn-ea"/>
+              </a:rPr>
+              <a:t>．調査</a:t>
+            </a:r>
+            <a:r>
+              <a:rPr lang="ja-JP" altLang="en-US" sz="3600" dirty="0">
+                <a:solidFill>
+                  <a:schemeClr val="tx1"/>
+                </a:solidFill>
+                <a:latin typeface="+mn-ea"/>
+              </a:rPr>
+              <a:t>したデータの分析は，デシル分析で行う．</a:t>
+            </a:r>
+          </a:p>
+          <a:p>
+            <a:pPr marL="742950" indent="-742950">
+              <a:buFont typeface="+mj-lt"/>
+              <a:buAutoNum type="arabicPeriod"/>
+            </a:pPr>
+            <a:endParaRPr lang="ja-JP" altLang="en-US" sz="3600" dirty="0">
+              <a:solidFill>
+                <a:schemeClr val="tx1"/>
+              </a:solidFill>
+              <a:latin typeface="+mn-ea"/>
+            </a:endParaRPr>
+          </a:p>
+          <a:p>
+            <a:pPr marL="742950" indent="-742950">
+              <a:buFont typeface="+mj-lt"/>
+              <a:buAutoNum type="arabicPeriod"/>
+            </a:pPr>
+            <a:r>
+              <a:rPr lang="ja-JP" altLang="en-US" sz="3600" dirty="0" smtClean="0">
+                <a:solidFill>
+                  <a:schemeClr val="tx1"/>
+                </a:solidFill>
+                <a:latin typeface="+mn-ea"/>
+              </a:rPr>
+              <a:t>デシル</a:t>
+            </a:r>
+            <a:r>
+              <a:rPr lang="ja-JP" altLang="en-US" sz="3600" dirty="0">
+                <a:solidFill>
+                  <a:schemeClr val="tx1"/>
+                </a:solidFill>
+                <a:latin typeface="+mn-ea"/>
+              </a:rPr>
+              <a:t>分析でコミット数の多い順に開発者を</a:t>
+            </a:r>
+            <a:r>
+              <a:rPr lang="en-US" altLang="ja-JP" sz="3600" dirty="0">
+                <a:solidFill>
+                  <a:schemeClr val="tx1"/>
+                </a:solidFill>
+                <a:latin typeface="+mn-ea"/>
+              </a:rPr>
+              <a:t>10</a:t>
+            </a:r>
+            <a:r>
+              <a:rPr lang="ja-JP" altLang="en-US" sz="3600" dirty="0">
+                <a:solidFill>
+                  <a:schemeClr val="tx1"/>
+                </a:solidFill>
+                <a:latin typeface="+mn-ea"/>
+              </a:rPr>
+              <a:t>等分して，各ランクのコミット構成比率を算出し，コミット貢献度を明らかにする．</a:t>
+            </a:r>
           </a:p>
         </p:txBody>
       </p:sp>

--- a/課題研究/2015/春川直幸/1342100春川直幸ポスター.pptx
+++ b/課題研究/2015/春川直幸/1342100春川直幸ポスター.pptx
@@ -4031,16 +4031,7 @@
                 </a:solidFill>
                 <a:latin typeface="+mn-ea"/>
               </a:rPr>
-              <a:t>より，</a:t>
-            </a:r>
-            <a:r>
-              <a:rPr lang="ja-JP" altLang="en-US" sz="3600" dirty="0" smtClean="0">
-                <a:solidFill>
-                  <a:schemeClr val="tx1"/>
-                </a:solidFill>
-                <a:latin typeface="+mn-ea"/>
-              </a:rPr>
-              <a:t>開発者</a:t>
+              <a:t>より，開発者</a:t>
             </a:r>
             <a:r>
               <a:rPr lang="ja-JP" altLang="en-US" sz="3600" dirty="0">
@@ -4252,8 +4243,8 @@
         </p:nvSpPr>
         <p:spPr>
           <a:xfrm>
-            <a:off x="13178628" y="18821659"/>
-            <a:ext cx="7584598" cy="7119528"/>
+            <a:off x="9829304" y="18821659"/>
+            <a:ext cx="10933922" cy="7119528"/>
           </a:xfrm>
           <a:prstGeom prst="rect">
             <a:avLst/>
@@ -4374,7 +4365,7 @@
         </p:nvSpPr>
         <p:spPr>
           <a:xfrm>
-            <a:off x="468264" y="4157667"/>
+            <a:off x="493247" y="4406633"/>
             <a:ext cx="12710364" cy="2095500"/>
           </a:xfrm>
           <a:prstGeom prst="roundRect">
@@ -4425,7 +4416,43 @@
                 </a:solidFill>
                 <a:latin typeface="+mn-ea"/>
               </a:rPr>
-              <a:t>には</a:t>
+              <a:t>に</a:t>
+            </a:r>
+            <a:r>
+              <a:rPr lang="ja-JP" altLang="en-US" sz="3600" dirty="0" err="1" smtClean="0">
+                <a:solidFill>
+                  <a:schemeClr val="tx1"/>
+                </a:solidFill>
+                <a:latin typeface="+mn-ea"/>
+              </a:rPr>
+              <a:t>は</a:t>
+            </a:r>
+            <a:r>
+              <a:rPr lang="ja-JP" altLang="en-US" sz="3600" dirty="0" smtClean="0">
+                <a:solidFill>
+                  <a:schemeClr val="tx1"/>
+                </a:solidFill>
+                <a:latin typeface="+mn-ea"/>
+              </a:rPr>
+              <a:t>リポジトリ</a:t>
+            </a:r>
+            <a:r>
+              <a:rPr lang="ja-JP" altLang="en-US" sz="3600" dirty="0">
+                <a:solidFill>
+                  <a:schemeClr val="tx1"/>
+                </a:solidFill>
+                <a:latin typeface="+mn-ea"/>
+              </a:rPr>
+              <a:t>のコミットされたログを確認</a:t>
+            </a:r>
+            <a:r>
+              <a:rPr lang="ja-JP" altLang="en-US" sz="3600" dirty="0" smtClean="0">
+                <a:solidFill>
+                  <a:schemeClr val="tx1"/>
+                </a:solidFill>
+                <a:latin typeface="+mn-ea"/>
+              </a:rPr>
+              <a:t>できる</a:t>
             </a:r>
             <a:r>
               <a:rPr lang="en-US" altLang="ja-JP" sz="3600" dirty="0" err="1">
@@ -4452,43 +4479,25 @@
                 </a:solidFill>
                 <a:latin typeface="+mn-ea"/>
               </a:rPr>
-              <a:t>コマンドというものがある．</a:t>
-            </a:r>
-            <a:r>
-              <a:rPr lang="en-US" altLang="ja-JP" sz="3600" dirty="0" err="1">
+              <a:t>コマンドという</a:t>
+            </a:r>
+            <a:r>
+              <a:rPr lang="ja-JP" altLang="en-US" sz="3600">
                 <a:solidFill>
                   <a:schemeClr val="tx1"/>
                 </a:solidFill>
                 <a:latin typeface="+mn-ea"/>
               </a:rPr>
-              <a:t>git</a:t>
-            </a:r>
-            <a:r>
-              <a:rPr lang="en-US" altLang="ja-JP" sz="3600" dirty="0">
+              <a:t>もの</a:t>
+            </a:r>
+            <a:r>
+              <a:rPr lang="ja-JP" altLang="en-US" sz="3600" smtClean="0">
                 <a:solidFill>
                   <a:schemeClr val="tx1"/>
                 </a:solidFill>
                 <a:latin typeface="+mn-ea"/>
               </a:rPr>
-              <a:t> log</a:t>
-            </a:r>
-            <a:r>
-              <a:rPr lang="ja-JP" altLang="en-US" sz="3600" dirty="0">
-                <a:solidFill>
-                  <a:schemeClr val="tx1"/>
-                </a:solidFill>
-                <a:latin typeface="+mn-ea"/>
-              </a:rPr>
-              <a:t>コマンドとは，リポジトリのコミットされたログを確認できるコマンドで</a:t>
-            </a:r>
-            <a:r>
-              <a:rPr lang="ja-JP" altLang="en-US" sz="3600" dirty="0" smtClean="0">
-                <a:solidFill>
-                  <a:schemeClr val="tx1"/>
-                </a:solidFill>
-                <a:latin typeface="+mn-ea"/>
-              </a:rPr>
-              <a:t>ある．</a:t>
+              <a:t>がある．</a:t>
             </a:r>
             <a:endParaRPr kumimoji="1" lang="ja-JP" altLang="en-US" sz="3600" dirty="0">
               <a:solidFill>
@@ -4804,8 +4813,8 @@
         </p:nvSpPr>
         <p:spPr>
           <a:xfrm>
-            <a:off x="12826629" y="17516251"/>
-            <a:ext cx="8288596" cy="9047651"/>
+            <a:off x="9510000" y="17516251"/>
+            <a:ext cx="11605225" cy="9047651"/>
           </a:xfrm>
           <a:prstGeom prst="rect">
             <a:avLst/>
@@ -4896,8 +4905,8 @@
         </p:nvSpPr>
         <p:spPr>
           <a:xfrm>
-            <a:off x="180232" y="17516251"/>
-            <a:ext cx="12448045" cy="9047650"/>
+            <a:off x="180233" y="17516251"/>
+            <a:ext cx="8712968" cy="9047650"/>
           </a:xfrm>
           <a:prstGeom prst="rect">
             <a:avLst/>
@@ -4934,36 +4943,6 @@
           </a:p>
         </p:txBody>
       </p:sp>
-      <p:pic>
-        <p:nvPicPr>
-          <p:cNvPr id="5" name="図 4"/>
-          <p:cNvPicPr>
-            <a:picLocks noChangeAspect="1"/>
-          </p:cNvPicPr>
-          <p:nvPr/>
-        </p:nvPicPr>
-        <p:blipFill>
-          <a:blip r:embed="rId3">
-            <a:extLst>
-              <a:ext uri="{28A0092B-C50C-407E-A947-70E740481C1C}">
-                <a14:useLocalDpi xmlns:a14="http://schemas.microsoft.com/office/drawing/2010/main" val="0"/>
-              </a:ext>
-            </a:extLst>
-          </a:blip>
-          <a:stretch>
-            <a:fillRect/>
-          </a:stretch>
-        </p:blipFill>
-        <p:spPr>
-          <a:xfrm>
-            <a:off x="13429704" y="19100427"/>
-            <a:ext cx="7067082" cy="3800085"/>
-          </a:xfrm>
-          <a:prstGeom prst="rect">
-            <a:avLst/>
-          </a:prstGeom>
-        </p:spPr>
-      </p:pic>
       <p:sp>
         <p:nvSpPr>
           <p:cNvPr id="6" name="テキスト ボックス 5"/>
@@ -4972,8 +4951,8 @@
         </p:nvSpPr>
         <p:spPr>
           <a:xfrm>
-            <a:off x="13442758" y="23564923"/>
-            <a:ext cx="7067082" cy="1754326"/>
+            <a:off x="10258690" y="24281251"/>
+            <a:ext cx="10680536" cy="1200329"/>
           </a:xfrm>
           <a:prstGeom prst="rect">
             <a:avLst/>
@@ -5159,7 +5138,7 @@
         </p:nvSpPr>
         <p:spPr>
           <a:xfrm>
-            <a:off x="180232" y="2898627"/>
+            <a:off x="180232" y="2939975"/>
             <a:ext cx="20872389" cy="997423"/>
           </a:xfrm>
           <a:prstGeom prst="rect">
@@ -5297,7 +5276,7 @@
         <p:spPr>
           <a:xfrm>
             <a:off x="197159" y="17516251"/>
-            <a:ext cx="12431117" cy="997423"/>
+            <a:ext cx="8696041" cy="997423"/>
           </a:xfrm>
           <a:prstGeom prst="rect">
             <a:avLst/>
@@ -5339,8 +5318,8 @@
         </p:nvSpPr>
         <p:spPr>
           <a:xfrm>
-            <a:off x="12853640" y="17516251"/>
-            <a:ext cx="8198981" cy="997423"/>
+            <a:off x="9510000" y="17516251"/>
+            <a:ext cx="11542622" cy="997423"/>
           </a:xfrm>
           <a:prstGeom prst="rect">
             <a:avLst/>
@@ -5430,7 +5409,7 @@
         <p:spPr>
           <a:xfrm>
             <a:off x="627128" y="18979023"/>
-            <a:ext cx="11506431" cy="7119528"/>
+            <a:ext cx="7729361" cy="7119528"/>
           </a:xfrm>
           <a:prstGeom prst="rect">
             <a:avLst/>
@@ -5597,6 +5576,63 @@
           </a:p>
         </p:txBody>
       </p:sp>
+      <p:graphicFrame>
+        <p:nvGraphicFramePr>
+          <p:cNvPr id="10" name="オブジェクト 9"/>
+          <p:cNvGraphicFramePr>
+            <a:graphicFrameLocks noChangeAspect="1"/>
+          </p:cNvGraphicFramePr>
+          <p:nvPr>
+            <p:extLst>
+              <p:ext uri="{D42A27DB-BD31-4B8C-83A1-F6EECF244321}">
+                <p14:modId xmlns:p14="http://schemas.microsoft.com/office/powerpoint/2010/main" val="341240034"/>
+              </p:ext>
+            </p:extLst>
+          </p:nvPr>
+        </p:nvGraphicFramePr>
+        <p:xfrm>
+          <a:off x="10258690" y="19164029"/>
+          <a:ext cx="10011774" cy="4913355"/>
+        </p:xfrm>
+        <a:graphic>
+          <a:graphicData uri="http://schemas.openxmlformats.org/presentationml/2006/ole">
+            <mc:AlternateContent xmlns:mc="http://schemas.openxmlformats.org/markup-compatibility/2006">
+              <mc:Choice xmlns:v="urn:schemas-microsoft-com:vml" Requires="v">
+                <p:oleObj spid="_x0000_s1030" name="ワークシート" r:id="rId6" imgW="5283754" imgH="2930505" progId="Excel.Sheet.12">
+                  <p:embed/>
+                </p:oleObj>
+              </mc:Choice>
+              <mc:Fallback>
+                <p:oleObj name="ワークシート" r:id="rId6" imgW="5283754" imgH="2930505" progId="Excel.Sheet.12">
+                  <p:embed/>
+                  <p:pic>
+                    <p:nvPicPr>
+                      <p:cNvPr id="0" name=""/>
+                      <p:cNvPicPr/>
+                      <p:nvPr/>
+                    </p:nvPicPr>
+                    <p:blipFill>
+                      <a:blip r:embed="rId7"/>
+                      <a:stretch>
+                        <a:fillRect/>
+                      </a:stretch>
+                    </p:blipFill>
+                    <p:spPr>
+                      <a:xfrm>
+                        <a:off x="10258690" y="19164029"/>
+                        <a:ext cx="10011774" cy="4913355"/>
+                      </a:xfrm>
+                      <a:prstGeom prst="rect">
+                        <a:avLst/>
+                      </a:prstGeom>
+                    </p:spPr>
+                  </p:pic>
+                </p:oleObj>
+              </mc:Fallback>
+            </mc:AlternateContent>
+          </a:graphicData>
+        </a:graphic>
+      </p:graphicFrame>
     </p:spTree>
     <p:extLst>
       <p:ext uri="{BB962C8B-B14F-4D97-AF65-F5344CB8AC3E}">

--- a/課題研究/2015/春川直幸/1342100春川直幸ポスター.pptx
+++ b/課題研究/2015/春川直幸/1342100春川直幸ポスター.pptx
@@ -3840,8 +3840,8 @@
         </p:nvSpPr>
         <p:spPr>
           <a:xfrm>
-            <a:off x="0" y="276976"/>
-            <a:ext cx="21386800" cy="1313778"/>
+            <a:off x="0" y="493696"/>
+            <a:ext cx="21386800" cy="1036779"/>
           </a:xfrm>
           <a:prstGeom prst="rect">
             <a:avLst/>
@@ -3856,36 +3856,10 @@
           <a:p>
             <a:pPr algn="ctr"/>
             <a:r>
-              <a:rPr lang="en-US" altLang="ja-JP" sz="6600" kern="0" dirty="0" smtClean="0">
-                <a:effectLst>
-                  <a:glow rad="101600">
-                    <a:srgbClr val="FFE880">
-                      <a:tint val="20000"/>
-                      <a:alpha val="60000"/>
-                    </a:srgbClr>
-                  </a:glow>
-                </a:effectLst>
-                <a:latin typeface="Bookman Old Style"/>
-                <a:ea typeface="HG明朝E"/>
-              </a:rPr>
-              <a:t>GitHub</a:t>
-            </a:r>
-            <a:r>
-              <a:rPr lang="ja-JP" altLang="en-US" sz="6600" kern="0" dirty="0" smtClean="0">
-                <a:effectLst>
-                  <a:glow rad="101600">
-                    <a:srgbClr val="FFE880">
-                      <a:tint val="20000"/>
-                      <a:alpha val="60000"/>
-                    </a:srgbClr>
-                  </a:glow>
-                </a:effectLst>
-                <a:latin typeface="Bookman Old Style"/>
-                <a:ea typeface="HG明朝E"/>
-              </a:rPr>
-              <a:t>のソフトウェア開発における貢献度分析</a:t>
-            </a:r>
-            <a:endParaRPr lang="ja-JP" altLang="en-US" sz="6600" dirty="0">
+              <a:rPr lang="ja-JP" altLang="en-US" sz="4800" b="1" dirty="0"/>
+              <a:t>オープンソースソフトウェア開発における開発者あたりのコミット数のパレート分析</a:t>
+            </a:r>
+            <a:endParaRPr lang="ja-JP" altLang="en-US" sz="4800" b="1" dirty="0">
               <a:effectLst>
                 <a:glow rad="101600">
                   <a:srgbClr val="FFE880">
@@ -3906,8 +3880,8 @@
         </p:nvSpPr>
         <p:spPr>
           <a:xfrm>
-            <a:off x="0" y="1603907"/>
-            <a:ext cx="21386800" cy="1129112"/>
+            <a:off x="0" y="1779387"/>
+            <a:ext cx="21386800" cy="975224"/>
           </a:xfrm>
           <a:prstGeom prst="rect">
             <a:avLst/>
@@ -3922,31 +3896,31 @@
           <a:p>
             <a:pPr algn="ctr"/>
             <a:r>
-              <a:rPr lang="en-US" altLang="ja-JP" sz="5400" b="1" dirty="0" smtClean="0">
+              <a:rPr lang="en-US" altLang="ja-JP" sz="4400" b="1" dirty="0" smtClean="0">
                 <a:latin typeface="+mn-ea"/>
               </a:rPr>
               <a:t>PM</a:t>
             </a:r>
             <a:r>
-              <a:rPr lang="ja-JP" altLang="en-US" sz="5400" b="1" dirty="0" smtClean="0">
+              <a:rPr lang="ja-JP" altLang="en-US" sz="4400" b="1" dirty="0" smtClean="0">
                 <a:latin typeface="+mn-ea"/>
               </a:rPr>
               <a:t>コース</a:t>
             </a:r>
             <a:r>
-              <a:rPr lang="ja-JP" altLang="en-US" sz="5400" b="1" dirty="0">
+              <a:rPr lang="ja-JP" altLang="en-US" sz="4400" b="1" dirty="0">
                 <a:latin typeface="+mn-ea"/>
               </a:rPr>
               <a:t>　矢吹研究室　</a:t>
             </a:r>
             <a:r>
-              <a:rPr lang="en-US" altLang="ja-JP" sz="5400" b="1" dirty="0" smtClean="0">
+              <a:rPr lang="en-US" altLang="ja-JP" sz="4400" b="1" dirty="0" smtClean="0">
                 <a:latin typeface="+mn-ea"/>
               </a:rPr>
               <a:t>1342100</a:t>
             </a:r>
             <a:r>
-              <a:rPr lang="ja-JP" altLang="en-US" sz="5400" b="1" dirty="0">
+              <a:rPr lang="ja-JP" altLang="en-US" sz="4400" b="1" dirty="0">
                 <a:latin typeface="+mn-ea"/>
               </a:rPr>
               <a:t>　春川直幸</a:t>
@@ -5598,7 +5572,7 @@
           <a:graphicData uri="http://schemas.openxmlformats.org/presentationml/2006/ole">
             <mc:AlternateContent xmlns:mc="http://schemas.openxmlformats.org/markup-compatibility/2006">
               <mc:Choice xmlns:v="urn:schemas-microsoft-com:vml" Requires="v">
-                <p:oleObj spid="_x0000_s1030" name="ワークシート" r:id="rId6" imgW="5283754" imgH="2930505" progId="Excel.Sheet.12">
+                <p:oleObj spid="_x0000_s1031" name="ワークシート" r:id="rId6" imgW="5283754" imgH="2930505" progId="Excel.Sheet.12">
                   <p:embed/>
                 </p:oleObj>
               </mc:Choice>

--- a/課題研究/2015/春川直幸/1342100春川直幸ポスター.pptx
+++ b/課題研究/2015/春川直幸/1342100春川直幸ポスター.pptx
@@ -4375,7 +4375,7 @@
           <a:lstStyle/>
           <a:p>
             <a:r>
-              <a:rPr lang="en-US" altLang="ja-JP" sz="3600" dirty="0">
+              <a:rPr lang="en-US" altLang="ja-JP" sz="3600" dirty="0" smtClean="0">
                 <a:solidFill>
                   <a:schemeClr val="tx1"/>
                 </a:solidFill>
@@ -4384,31 +4384,13 @@
               <a:t>GitHub</a:t>
             </a:r>
             <a:r>
-              <a:rPr lang="ja-JP" altLang="en-US" sz="3600" dirty="0" err="1">
-                <a:solidFill>
-                  <a:schemeClr val="tx1"/>
-                </a:solidFill>
-                <a:latin typeface="+mn-ea"/>
-              </a:rPr>
-              <a:t>に</a:t>
-            </a:r>
-            <a:r>
-              <a:rPr lang="ja-JP" altLang="en-US" sz="3600" dirty="0" err="1" smtClean="0">
-                <a:solidFill>
-                  <a:schemeClr val="tx1"/>
-                </a:solidFill>
-                <a:latin typeface="+mn-ea"/>
-              </a:rPr>
-              <a:t>は</a:t>
-            </a:r>
-            <a:r>
               <a:rPr lang="ja-JP" altLang="en-US" sz="3600" dirty="0" smtClean="0">
                 <a:solidFill>
                   <a:schemeClr val="tx1"/>
                 </a:solidFill>
                 <a:latin typeface="+mn-ea"/>
               </a:rPr>
-              <a:t>リポジトリ</a:t>
+              <a:t>のコミット履歴を</a:t>
             </a:r>
             <a:r>
               <a:rPr lang="ja-JP" altLang="en-US" sz="3600" dirty="0">
@@ -4417,7 +4399,7 @@
                 </a:solidFill>
                 <a:latin typeface="+mn-ea"/>
               </a:rPr>
-              <a:t>のコミットされたログを確認</a:t>
+              <a:t>解析</a:t>
             </a:r>
             <a:r>
               <a:rPr lang="ja-JP" altLang="en-US" sz="3600" dirty="0" smtClean="0">
@@ -4426,25 +4408,7 @@
                 </a:solidFill>
                 <a:latin typeface="+mn-ea"/>
               </a:rPr>
-              <a:t>できる</a:t>
-            </a:r>
-            <a:r>
-              <a:rPr lang="en-US" altLang="ja-JP" sz="3600" dirty="0" err="1">
-                <a:solidFill>
-                  <a:schemeClr val="tx1"/>
-                </a:solidFill>
-                <a:latin typeface="+mn-ea"/>
-              </a:rPr>
-              <a:t>git</a:t>
-            </a:r>
-            <a:r>
-              <a:rPr lang="en-US" altLang="ja-JP" sz="3600" dirty="0">
-                <a:solidFill>
-                  <a:schemeClr val="tx1"/>
-                </a:solidFill>
-                <a:latin typeface="+mn-ea"/>
-              </a:rPr>
-              <a:t> log</a:t>
+              <a:t>し，分析することによって</a:t>
             </a:r>
             <a:r>
               <a:rPr lang="ja-JP" altLang="en-US" sz="3600" dirty="0">
@@ -4453,25 +4417,16 @@
                 </a:solidFill>
                 <a:latin typeface="+mn-ea"/>
               </a:rPr>
-              <a:t>コマンドという</a:t>
-            </a:r>
-            <a:r>
-              <a:rPr lang="ja-JP" altLang="en-US" sz="3600">
+              <a:t>プロジェクトへ</a:t>
+            </a:r>
+            <a:r>
+              <a:rPr lang="ja-JP" altLang="en-US" sz="3600" dirty="0" smtClean="0">
                 <a:solidFill>
                   <a:schemeClr val="tx1"/>
                 </a:solidFill>
                 <a:latin typeface="+mn-ea"/>
               </a:rPr>
-              <a:t>もの</a:t>
-            </a:r>
-            <a:r>
-              <a:rPr lang="ja-JP" altLang="en-US" sz="3600" smtClean="0">
-                <a:solidFill>
-                  <a:schemeClr val="tx1"/>
-                </a:solidFill>
-                <a:latin typeface="+mn-ea"/>
-              </a:rPr>
-              <a:t>がある．</a:t>
+              <a:t>の貢献度を求め，パレートの法則が成り立つか調査する．</a:t>
             </a:r>
             <a:endParaRPr kumimoji="1" lang="ja-JP" altLang="en-US" sz="3600" dirty="0">
               <a:solidFill>
@@ -5572,7 +5527,7 @@
           <a:graphicData uri="http://schemas.openxmlformats.org/presentationml/2006/ole">
             <mc:AlternateContent xmlns:mc="http://schemas.openxmlformats.org/markup-compatibility/2006">
               <mc:Choice xmlns:v="urn:schemas-microsoft-com:vml" Requires="v">
-                <p:oleObj spid="_x0000_s1031" name="ワークシート" r:id="rId6" imgW="5283754" imgH="2930505" progId="Excel.Sheet.12">
+                <p:oleObj spid="_x0000_s1032" name="ワークシート" r:id="rId6" imgW="5283754" imgH="2930505" progId="Excel.Sheet.12">
                   <p:embed/>
                 </p:oleObj>
               </mc:Choice>
